--- a/profiles/profiles.pptx
+++ b/profiles/profiles.pptx
@@ -7,12 +7,13 @@
   <p:sldIdLst>
     <p:sldId id="256" r:id="rId2"/>
     <p:sldId id="257" r:id="rId3"/>
-    <p:sldId id="265" r:id="rId4"/>
-    <p:sldId id="266" r:id="rId5"/>
-    <p:sldId id="267" r:id="rId6"/>
-    <p:sldId id="268" r:id="rId7"/>
-    <p:sldId id="269" r:id="rId8"/>
-    <p:sldId id="270" r:id="rId9"/>
+    <p:sldId id="271" r:id="rId4"/>
+    <p:sldId id="265" r:id="rId5"/>
+    <p:sldId id="266" r:id="rId6"/>
+    <p:sldId id="267" r:id="rId7"/>
+    <p:sldId id="268" r:id="rId8"/>
+    <p:sldId id="269" r:id="rId9"/>
+    <p:sldId id="270" r:id="rId10"/>
   </p:sldIdLst>
   <p:sldSz cx="12192000" cy="6858000"/>
   <p:notesSz cx="6858000" cy="9144000"/>
@@ -111,6 +112,11 @@
       </a:defRPr>
     </a:lvl9pPr>
   </p:defaultTextStyle>
+  <p:extLst>
+    <p:ext uri="{EFAFB233-063F-42B5-8137-9DF3F51BA10A}">
+      <p15:sldGuideLst xmlns:p15="http://schemas.microsoft.com/office/powerpoint/2012/main"/>
+    </p:ext>
+  </p:extLst>
 </p:presentation>
 </file>
 
@@ -263,7 +269,7 @@
           <a:p>
             <a:fld id="{79CCD78F-9C93-CB46-B71F-4D238958A6A6}" type="datetimeFigureOut">
               <a:rPr lang="da-DK" smtClean="0"/>
-              <a:t>03.11.2021</a:t>
+              <a:t>05.11.2021</a:t>
             </a:fld>
             <a:endParaRPr lang="da-DK"/>
           </a:p>
@@ -463,7 +469,7 @@
           <a:p>
             <a:fld id="{79CCD78F-9C93-CB46-B71F-4D238958A6A6}" type="datetimeFigureOut">
               <a:rPr lang="da-DK" smtClean="0"/>
-              <a:t>03.11.2021</a:t>
+              <a:t>05.11.2021</a:t>
             </a:fld>
             <a:endParaRPr lang="da-DK"/>
           </a:p>
@@ -673,7 +679,7 @@
           <a:p>
             <a:fld id="{79CCD78F-9C93-CB46-B71F-4D238958A6A6}" type="datetimeFigureOut">
               <a:rPr lang="da-DK" smtClean="0"/>
-              <a:t>03.11.2021</a:t>
+              <a:t>05.11.2021</a:t>
             </a:fld>
             <a:endParaRPr lang="da-DK"/>
           </a:p>
@@ -873,7 +879,7 @@
           <a:p>
             <a:fld id="{79CCD78F-9C93-CB46-B71F-4D238958A6A6}" type="datetimeFigureOut">
               <a:rPr lang="da-DK" smtClean="0"/>
-              <a:t>03.11.2021</a:t>
+              <a:t>05.11.2021</a:t>
             </a:fld>
             <a:endParaRPr lang="da-DK"/>
           </a:p>
@@ -1149,7 +1155,7 @@
           <a:p>
             <a:fld id="{79CCD78F-9C93-CB46-B71F-4D238958A6A6}" type="datetimeFigureOut">
               <a:rPr lang="da-DK" smtClean="0"/>
-              <a:t>03.11.2021</a:t>
+              <a:t>05.11.2021</a:t>
             </a:fld>
             <a:endParaRPr lang="da-DK"/>
           </a:p>
@@ -1417,7 +1423,7 @@
           <a:p>
             <a:fld id="{79CCD78F-9C93-CB46-B71F-4D238958A6A6}" type="datetimeFigureOut">
               <a:rPr lang="da-DK" smtClean="0"/>
-              <a:t>03.11.2021</a:t>
+              <a:t>05.11.2021</a:t>
             </a:fld>
             <a:endParaRPr lang="da-DK"/>
           </a:p>
@@ -1832,7 +1838,7 @@
           <a:p>
             <a:fld id="{79CCD78F-9C93-CB46-B71F-4D238958A6A6}" type="datetimeFigureOut">
               <a:rPr lang="da-DK" smtClean="0"/>
-              <a:t>03.11.2021</a:t>
+              <a:t>05.11.2021</a:t>
             </a:fld>
             <a:endParaRPr lang="da-DK"/>
           </a:p>
@@ -1974,7 +1980,7 @@
           <a:p>
             <a:fld id="{79CCD78F-9C93-CB46-B71F-4D238958A6A6}" type="datetimeFigureOut">
               <a:rPr lang="da-DK" smtClean="0"/>
-              <a:t>03.11.2021</a:t>
+              <a:t>05.11.2021</a:t>
             </a:fld>
             <a:endParaRPr lang="da-DK"/>
           </a:p>
@@ -2087,7 +2093,7 @@
           <a:p>
             <a:fld id="{79CCD78F-9C93-CB46-B71F-4D238958A6A6}" type="datetimeFigureOut">
               <a:rPr lang="da-DK" smtClean="0"/>
-              <a:t>03.11.2021</a:t>
+              <a:t>05.11.2021</a:t>
             </a:fld>
             <a:endParaRPr lang="da-DK"/>
           </a:p>
@@ -2400,7 +2406,7 @@
           <a:p>
             <a:fld id="{79CCD78F-9C93-CB46-B71F-4D238958A6A6}" type="datetimeFigureOut">
               <a:rPr lang="da-DK" smtClean="0"/>
-              <a:t>03.11.2021</a:t>
+              <a:t>05.11.2021</a:t>
             </a:fld>
             <a:endParaRPr lang="da-DK"/>
           </a:p>
@@ -2689,7 +2695,7 @@
           <a:p>
             <a:fld id="{79CCD78F-9C93-CB46-B71F-4D238958A6A6}" type="datetimeFigureOut">
               <a:rPr lang="da-DK" smtClean="0"/>
-              <a:t>03.11.2021</a:t>
+              <a:t>05.11.2021</a:t>
             </a:fld>
             <a:endParaRPr lang="da-DK"/>
           </a:p>
@@ -2932,7 +2938,7 @@
           <a:p>
             <a:fld id="{79CCD78F-9C93-CB46-B71F-4D238958A6A6}" type="datetimeFigureOut">
               <a:rPr lang="da-DK" smtClean="0"/>
-              <a:t>03.11.2021</a:t>
+              <a:t>05.11.2021</a:t>
             </a:fld>
             <a:endParaRPr lang="da-DK"/>
           </a:p>
@@ -3747,7 +3753,67 @@
           <a:p>
             <a:r>
               <a:rPr lang="da-DK" dirty="0"/>
-              <a:t>Henrik Harboe</a:t>
+              <a:t>Søren</a:t>
+            </a:r>
+          </a:p>
+        </p:txBody>
+      </p:sp>
+      <p:sp>
+        <p:nvSpPr>
+          <p:cNvPr id="7" name="Rectangle 6">
+            <a:extLst>
+              <a:ext uri="{FF2B5EF4-FFF2-40B4-BE49-F238E27FC236}">
+                <a16:creationId xmlns:a16="http://schemas.microsoft.com/office/drawing/2014/main" id="{F3B174A5-E0B9-384E-AA8E-6D99B21ED04E}"/>
+              </a:ext>
+            </a:extLst>
+          </p:cNvPr>
+          <p:cNvSpPr/>
+          <p:nvPr/>
+        </p:nvSpPr>
+        <p:spPr>
+          <a:xfrm>
+            <a:off x="978794" y="3503363"/>
+            <a:ext cx="10277341" cy="2265975"/>
+          </a:xfrm>
+          <a:prstGeom prst="rect">
+            <a:avLst/>
+          </a:prstGeom>
+          <a:solidFill>
+            <a:srgbClr val="1589A0"/>
+          </a:solidFill>
+        </p:spPr>
+        <p:style>
+          <a:lnRef idx="2">
+            <a:schemeClr val="accent1">
+              <a:shade val="50000"/>
+            </a:schemeClr>
+          </a:lnRef>
+          <a:fillRef idx="1">
+            <a:schemeClr val="accent1"/>
+          </a:fillRef>
+          <a:effectRef idx="0">
+            <a:schemeClr val="accent1"/>
+          </a:effectRef>
+          <a:fontRef idx="minor">
+            <a:schemeClr val="lt1"/>
+          </a:fontRef>
+        </p:style>
+        <p:txBody>
+          <a:bodyPr rot="0" spcFirstLastPara="0" vertOverflow="overflow" horzOverflow="overflow" vert="horz" wrap="square" lIns="91440" tIns="45720" rIns="91440" bIns="45720" numCol="1" spcCol="0" rtlCol="0" fromWordArt="0" anchor="ctr" anchorCtr="0" forceAA="0" compatLnSpc="1">
+            <a:prstTxWarp prst="textNoShape">
+              <a:avLst/>
+            </a:prstTxWarp>
+            <a:noAutofit/>
+          </a:bodyPr>
+          <a:lstStyle/>
+          <a:p>
+            <a:r>
+              <a:rPr lang="en-US" dirty="0" err="1"/>
+              <a:t>Søren</a:t>
+            </a:r>
+            <a:r>
+              <a:rPr lang="en-US" dirty="0"/>
+              <a:t> has 20+ experience in clinical practice as medical specialist doctor. He has passion for strategic business planning, health-tech innovation, and digital transformation within the health care industry. Extensive knowledge and international leadership experience in Medical Assistance and Health Insurance operations. A global commercial mindset with a long track record in presentations supporting sales and marketing.</a:t>
             </a:r>
           </a:p>
         </p:txBody>
@@ -3798,8 +3864,149 @@
           <a:p>
             <a:pPr algn="ctr"/>
             <a:r>
+              <a:rPr lang="da-DK" dirty="0"/>
+              <a:t>Medical professional</a:t>
+            </a:r>
+            <a:endParaRPr lang="en-US" dirty="0"/>
+          </a:p>
+        </p:txBody>
+      </p:sp>
+      <p:pic>
+        <p:nvPicPr>
+          <p:cNvPr id="4" name="Picture 3">
+            <a:extLst>
+              <a:ext uri="{FF2B5EF4-FFF2-40B4-BE49-F238E27FC236}">
+                <a16:creationId xmlns:a16="http://schemas.microsoft.com/office/drawing/2014/main" id="{06D368C8-4CF7-B04E-BA91-B9F596A9AE76}"/>
+              </a:ext>
+            </a:extLst>
+          </p:cNvPr>
+          <p:cNvPicPr>
+            <a:picLocks noChangeAspect="1"/>
+          </p:cNvPicPr>
+          <p:nvPr/>
+        </p:nvPicPr>
+        <p:blipFill>
+          <a:blip r:embed="rId2"/>
+          <a:stretch>
+            <a:fillRect/>
+          </a:stretch>
+        </p:blipFill>
+        <p:spPr>
+          <a:xfrm>
+            <a:off x="978793" y="1522749"/>
+            <a:ext cx="1800000" cy="1800000"/>
+          </a:xfrm>
+          <a:prstGeom prst="rect">
+            <a:avLst/>
+          </a:prstGeom>
+        </p:spPr>
+      </p:pic>
+    </p:spTree>
+    <p:extLst>
+      <p:ext uri="{BB962C8B-B14F-4D97-AF65-F5344CB8AC3E}">
+        <p14:creationId xmlns:p14="http://schemas.microsoft.com/office/powerpoint/2010/main" val="523145277"/>
+      </p:ext>
+    </p:extLst>
+  </p:cSld>
+  <p:clrMapOvr>
+    <a:masterClrMapping/>
+  </p:clrMapOvr>
+</p:sld>
+</file>
+
+<file path=ppt/slides/slide4.xml><?xml version="1.0" encoding="utf-8"?>
+<p:sld xmlns:a="http://schemas.openxmlformats.org/drawingml/2006/main" xmlns:r="http://schemas.openxmlformats.org/officeDocument/2006/relationships" xmlns:p="http://schemas.openxmlformats.org/presentationml/2006/main">
+  <p:cSld>
+    <p:spTree>
+      <p:nvGrpSpPr>
+        <p:cNvPr id="1" name=""/>
+        <p:cNvGrpSpPr/>
+        <p:nvPr/>
+      </p:nvGrpSpPr>
+      <p:grpSpPr>
+        <a:xfrm>
+          <a:off x="0" y="0"/>
+          <a:ext cx="0" cy="0"/>
+          <a:chOff x="0" y="0"/>
+          <a:chExt cx="0" cy="0"/>
+        </a:xfrm>
+      </p:grpSpPr>
+      <p:sp>
+        <p:nvSpPr>
+          <p:cNvPr id="2" name="Title 1">
+            <a:extLst>
+              <a:ext uri="{FF2B5EF4-FFF2-40B4-BE49-F238E27FC236}">
+                <a16:creationId xmlns:a16="http://schemas.microsoft.com/office/drawing/2014/main" id="{C7D7E3F9-8C58-C449-A92C-23997F526DA8}"/>
+              </a:ext>
+            </a:extLst>
+          </p:cNvPr>
+          <p:cNvSpPr>
+            <a:spLocks noGrp="1"/>
+          </p:cNvSpPr>
+          <p:nvPr>
+            <p:ph type="title"/>
+          </p:nvPr>
+        </p:nvSpPr>
+        <p:spPr/>
+        <p:txBody>
+          <a:bodyPr/>
+          <a:lstStyle/>
+          <a:p>
+            <a:r>
+              <a:rPr lang="da-DK" dirty="0"/>
+              <a:t>Henrik Harboe</a:t>
+            </a:r>
+          </a:p>
+        </p:txBody>
+      </p:sp>
+      <p:sp>
+        <p:nvSpPr>
+          <p:cNvPr id="8" name="Rectangle 7">
+            <a:extLst>
+              <a:ext uri="{FF2B5EF4-FFF2-40B4-BE49-F238E27FC236}">
+                <a16:creationId xmlns:a16="http://schemas.microsoft.com/office/drawing/2014/main" id="{7693427C-9000-F645-BAAC-304C08A3071B}"/>
+              </a:ext>
+            </a:extLst>
+          </p:cNvPr>
+          <p:cNvSpPr/>
+          <p:nvPr/>
+        </p:nvSpPr>
+        <p:spPr>
+          <a:xfrm>
+            <a:off x="3357182" y="1522749"/>
+            <a:ext cx="2173286" cy="1800000"/>
+          </a:xfrm>
+          <a:prstGeom prst="rect">
+            <a:avLst/>
+          </a:prstGeom>
+          <a:solidFill>
+            <a:srgbClr val="1589A0"/>
+          </a:solidFill>
+        </p:spPr>
+        <p:style>
+          <a:lnRef idx="2">
+            <a:schemeClr val="accent1">
+              <a:shade val="50000"/>
+            </a:schemeClr>
+          </a:lnRef>
+          <a:fillRef idx="1">
+            <a:schemeClr val="accent1"/>
+          </a:fillRef>
+          <a:effectRef idx="0">
+            <a:schemeClr val="accent1"/>
+          </a:effectRef>
+          <a:fontRef idx="minor">
+            <a:schemeClr val="lt1"/>
+          </a:fontRef>
+        </p:style>
+        <p:txBody>
+          <a:bodyPr rtlCol="0" anchor="ctr"/>
+          <a:lstStyle/>
+          <a:p>
+            <a:pPr algn="ctr"/>
+            <a:r>
               <a:rPr lang="en-US" dirty="0"/>
-              <a:t>Medical devices advisor</a:t>
+              <a:t>MEDICAL DEVICES ADVISOR</a:t>
             </a:r>
           </a:p>
         </p:txBody>
@@ -3893,7 +4100,15 @@
             </a:r>
             <a:r>
               <a:rPr lang="en-US" dirty="0"/>
-              <a:t>, medical devices advisor and member of Board of Directors in several organizations.</a:t>
+              <a:t>, medical devices advisor and member of Board of Directors in several </a:t>
+            </a:r>
+            <a:r>
+              <a:rPr lang="en-US" dirty="0" err="1"/>
+              <a:t>organisations</a:t>
+            </a:r>
+            <a:r>
+              <a:rPr lang="en-US" dirty="0"/>
+              <a:t>.</a:t>
             </a:r>
           </a:p>
           <a:p>
@@ -3961,7 +4176,7 @@
           <a:p>
             <a:r>
               <a:rPr lang="en-US" dirty="0"/>
-              <a:t>Licensed independent physician by The National Health Service of Denmark, 1980</a:t>
+              <a:t>Licensed physician by The National Health Service of Denmark, 1980</a:t>
             </a:r>
           </a:p>
         </p:txBody>
@@ -3979,7 +4194,7 @@
 </p:sld>
 </file>
 
-<file path=ppt/slides/slide4.xml><?xml version="1.0" encoding="utf-8"?>
+<file path=ppt/slides/slide5.xml><?xml version="1.0" encoding="utf-8"?>
 <p:sld xmlns:a="http://schemas.openxmlformats.org/drawingml/2006/main" xmlns:r="http://schemas.openxmlformats.org/officeDocument/2006/relationships" xmlns:p="http://schemas.openxmlformats.org/presentationml/2006/main">
   <p:cSld>
     <p:spTree>
@@ -4071,7 +4286,7 @@
             <a:pPr algn="ctr"/>
             <a:r>
               <a:rPr lang="en-US" dirty="0"/>
-              <a:t>Sales Director</a:t>
+              <a:t>SALES DIRECTOR</a:t>
             </a:r>
           </a:p>
         </p:txBody>
@@ -4283,7 +4498,7 @@
 </p:sld>
 </file>
 
-<file path=ppt/slides/slide5.xml><?xml version="1.0" encoding="utf-8"?>
+<file path=ppt/slides/slide6.xml><?xml version="1.0" encoding="utf-8"?>
 <p:sld xmlns:a="http://schemas.openxmlformats.org/drawingml/2006/main" xmlns:r="http://schemas.openxmlformats.org/officeDocument/2006/relationships" xmlns:p="http://schemas.openxmlformats.org/presentationml/2006/main">
   <p:cSld>
     <p:spTree>
@@ -4374,8 +4589,8 @@
           <a:p>
             <a:pPr algn="ctr"/>
             <a:r>
-              <a:rPr lang="en-US"/>
-              <a:t>Director, Executive Customer Success IBM Nordic</a:t>
+              <a:rPr lang="en-US" dirty="0"/>
+              <a:t>DIRECTOR, EXECUTIVE CUSTOMER SERVICE IBM NORDIC</a:t>
             </a:r>
           </a:p>
         </p:txBody>
@@ -4487,7 +4702,7 @@
 </p:sld>
 </file>
 
-<file path=ppt/slides/slide6.xml><?xml version="1.0" encoding="utf-8"?>
+<file path=ppt/slides/slide7.xml><?xml version="1.0" encoding="utf-8"?>
 <p:sld xmlns:a="http://schemas.openxmlformats.org/drawingml/2006/main" xmlns:r="http://schemas.openxmlformats.org/officeDocument/2006/relationships" xmlns:p="http://schemas.openxmlformats.org/presentationml/2006/main">
   <p:cSld>
     <p:spTree>
@@ -4579,7 +4794,21 @@
             <a:pPr algn="ctr"/>
             <a:r>
               <a:rPr lang="en-US" dirty="0"/>
-              <a:t>Senior Manager Sales Excellence Coloplast</a:t>
+              <a:t>SENIOR MANAGER</a:t>
+            </a:r>
+          </a:p>
+          <a:p>
+            <a:pPr algn="ctr"/>
+            <a:r>
+              <a:rPr lang="en-US" dirty="0"/>
+              <a:t>SALES EXCELLENCE</a:t>
+            </a:r>
+          </a:p>
+          <a:p>
+            <a:pPr algn="ctr"/>
+            <a:r>
+              <a:rPr lang="en-US" dirty="0"/>
+              <a:t>COLOPLAST</a:t>
             </a:r>
           </a:p>
         </p:txBody>
@@ -4739,7 +4968,7 @@
 </p:sld>
 </file>
 
-<file path=ppt/slides/slide7.xml><?xml version="1.0" encoding="utf-8"?>
+<file path=ppt/slides/slide8.xml><?xml version="1.0" encoding="utf-8"?>
 <p:sld xmlns:a="http://schemas.openxmlformats.org/drawingml/2006/main" xmlns:r="http://schemas.openxmlformats.org/officeDocument/2006/relationships" xmlns:p="http://schemas.openxmlformats.org/presentationml/2006/main">
   <p:cSld>
     <p:spTree>
@@ -4830,15 +5059,15 @@
           <a:p>
             <a:pPr algn="ctr"/>
             <a:r>
-              <a:rPr lang="en-US"/>
+              <a:rPr lang="en-US" dirty="0"/>
               <a:t>MD HD</a:t>
             </a:r>
           </a:p>
           <a:p>
             <a:pPr algn="ctr"/>
             <a:r>
-              <a:rPr lang="en-US"/>
-              <a:t>Senior, medical leader in Life Science, Drug Development, Change Management, Scale up, Transformation and Growth</a:t>
+              <a:rPr lang="en-US" dirty="0"/>
+              <a:t>SENIOR MEDICAL LEADER IN LIFE SCIENCE, DRUG DEVELOPMENT AND CHANGE MANAGEMENT</a:t>
             </a:r>
           </a:p>
         </p:txBody>
@@ -4893,8 +5122,28 @@
           <a:lstStyle/>
           <a:p>
             <a:r>
-              <a:rPr lang="en-US"/>
-              <a:t>Birgitte Claudius is a medical leader in Life Science with 20+ years of experience from strategic and organisational Leadership, Drug Development, People Management and Change Management. She has a deep understanding of all aspects of planning and executing drug development programmes - clinical trials from phase I-IV. Her therapeutic areas of expertise are Diabetes, Obesity, NASH, respiratory medicine, cardiovascular, oncology and general endocrinology</a:t>
+              <a:rPr lang="en-US" dirty="0" err="1"/>
+              <a:t>Birgitte</a:t>
+            </a:r>
+            <a:r>
+              <a:rPr lang="en-US" dirty="0"/>
+              <a:t> Claudius is a medical leader in Life Science with 20+ years of experience from strategic and </a:t>
+            </a:r>
+            <a:r>
+              <a:rPr lang="en-US" dirty="0" err="1"/>
+              <a:t>organisational</a:t>
+            </a:r>
+            <a:r>
+              <a:rPr lang="en-US" dirty="0"/>
+              <a:t> Leadership, Drug Development, People Management and Change Management. She has a deep understanding of all aspects of planning and executing drug development </a:t>
+            </a:r>
+            <a:r>
+              <a:rPr lang="en-US" dirty="0" err="1"/>
+              <a:t>programmes</a:t>
+            </a:r>
+            <a:r>
+              <a:rPr lang="en-US" dirty="0"/>
+              <a:t> - clinical trials from phase I-IV. Her therapeutic areas of expertise are Diabetes, Obesity, NASH, respiratory medicine, cardiovascular, oncology and general endocrinology</a:t>
             </a:r>
           </a:p>
         </p:txBody>
@@ -4956,7 +5205,7 @@
           <a:p>
             <a:r>
               <a:rPr lang="en-US" dirty="0"/>
-              <a:t>Bachelor in Organization and Management from Copenhagen Business School, 2008</a:t>
+              <a:t>Bachelor in Organization and Management, Copenhagen Business School, 2008</a:t>
             </a:r>
           </a:p>
         </p:txBody>
@@ -5004,7 +5253,7 @@
 </p:sld>
 </file>
 
-<file path=ppt/slides/slide8.xml><?xml version="1.0" encoding="utf-8"?>
+<file path=ppt/slides/slide9.xml><?xml version="1.0" encoding="utf-8"?>
 <p:sld xmlns:a="http://schemas.openxmlformats.org/drawingml/2006/main" xmlns:r="http://schemas.openxmlformats.org/officeDocument/2006/relationships" xmlns:p="http://schemas.openxmlformats.org/presentationml/2006/main">
   <p:cSld>
     <p:spTree>
@@ -5100,16 +5349,8 @@
           <a:p>
             <a:pPr algn="ctr"/>
             <a:r>
-              <a:rPr lang="da-DK" dirty="0" err="1"/>
-              <a:t>Lawyer</a:t>
-            </a:r>
-            <a:r>
               <a:rPr lang="da-DK" dirty="0"/>
-              <a:t>, Lobbyist </a:t>
-            </a:r>
-            <a:r>
-              <a:rPr lang="da-DK"/>
-              <a:t>and Entrepreneur</a:t>
+              <a:t>LAWYER, LOBBYIST AND ENTREPRENEUR</a:t>
             </a:r>
             <a:endParaRPr lang="en-US" dirty="0"/>
           </a:p>
